--- a/TVHC SKILLS TEST.pptx
+++ b/TVHC SKILLS TEST.pptx
@@ -4214,7 +4214,7 @@
                 <a:cs typeface="Amiko"/>
                 <a:sym typeface="Amiko"/>
               </a:rPr>
-              <a:t>Black(50%) </a:t>
+              <a:t>Black (50%) </a:t>
             </a:r>
             <a:r>
               <a:rPr lang="en-US" sz="3300" dirty="0">
@@ -4238,7 +4238,7 @@
                 <a:cs typeface="Amiko"/>
                 <a:sym typeface="Amiko"/>
               </a:rPr>
-              <a:t>Asian(56.3%) </a:t>
+              <a:t>Asian (56.3%) </a:t>
             </a:r>
             <a:r>
               <a:rPr lang="en-US" sz="3300" dirty="0">
@@ -4447,7 +4447,7 @@
                 <a:cs typeface="Amiko"/>
                 <a:sym typeface="Amiko"/>
               </a:rPr>
-              <a:t>Other(67.9%) </a:t>
+              <a:t>Other (67.9%) </a:t>
             </a:r>
             <a:r>
               <a:rPr lang="en-US" sz="3300" dirty="0">
@@ -4602,7 +4602,7 @@
         <p:spPr>
           <a:xfrm>
             <a:off x="1371600" y="1737738"/>
-            <a:ext cx="16078200" cy="8258671"/>
+            <a:ext cx="16078200" cy="8602355"/>
           </a:xfrm>
           <a:prstGeom prst="rect">
             <a:avLst/>
@@ -4620,7 +4620,7 @@
               </a:lnSpc>
             </a:pPr>
             <a:r>
-              <a:rPr lang="en-US" sz="3300" b="1" dirty="0">
+              <a:rPr lang="en-US" sz="3300" b="1" u="sng" dirty="0">
                 <a:solidFill>
                   <a:srgbClr val="03275A"/>
                 </a:solidFill>
@@ -4641,7 +4641,7 @@
               <a:buChar char="•"/>
             </a:pPr>
             <a:r>
-              <a:rPr lang="en-US" sz="3300" b="1" u="sng" dirty="0">
+              <a:rPr lang="en-US" sz="3300" b="1" dirty="0">
                 <a:solidFill>
                   <a:srgbClr val="03275A"/>
                 </a:solidFill>
@@ -4653,7 +4653,7 @@
               <a:t>Why: </a:t>
             </a:r>
             <a:r>
-              <a:rPr lang="en-US" sz="3300" dirty="0">
+              <a:rPr lang="en-US" sz="3200" dirty="0">
                 <a:solidFill>
                   <a:srgbClr val="03275A"/>
                 </a:solidFill>
@@ -4662,31 +4662,7 @@
                 <a:cs typeface="Amiko"/>
                 <a:sym typeface="Amiko"/>
               </a:rPr>
-              <a:t>Large discrepancy between the reported </a:t>
-            </a:r>
-            <a:r>
-              <a:rPr lang="en-US" sz="3300" dirty="0" err="1">
-                <a:solidFill>
-                  <a:srgbClr val="03275A"/>
-                </a:solidFill>
-                <a:latin typeface="Amiko"/>
-                <a:ea typeface="Amiko"/>
-                <a:cs typeface="Amiko"/>
-                <a:sym typeface="Amiko"/>
-              </a:rPr>
-              <a:t>BP_Controlled_Post</a:t>
-            </a:r>
-            <a:r>
-              <a:rPr lang="en-US" sz="3300" dirty="0">
-                <a:solidFill>
-                  <a:srgbClr val="03275A"/>
-                </a:solidFill>
-                <a:latin typeface="Amiko"/>
-                <a:ea typeface="Amiko"/>
-                <a:cs typeface="Amiko"/>
-                <a:sym typeface="Amiko"/>
-              </a:rPr>
-              <a:t> variable and the actual BP values after intervention.</a:t>
+              <a:t>Large discrepancy between the reported BP_Controlled_Post variable and the actual BP values after intervention.</a:t>
             </a:r>
           </a:p>
           <a:p>
@@ -4698,7 +4674,7 @@
               <a:buChar char="•"/>
             </a:pPr>
             <a:r>
-              <a:rPr lang="en-US" sz="3300" b="1" u="sng" dirty="0">
+              <a:rPr lang="en-US" sz="3300" b="1" dirty="0">
                 <a:solidFill>
                   <a:srgbClr val="03275A"/>
                 </a:solidFill>
@@ -4710,7 +4686,7 @@
               <a:t>Action: </a:t>
             </a:r>
             <a:r>
-              <a:rPr lang="en-US" sz="3300" dirty="0">
+              <a:rPr lang="en-US" sz="3200" dirty="0">
                 <a:solidFill>
                   <a:srgbClr val="03275A"/>
                 </a:solidFill>
@@ -4725,11 +4701,11 @@
           <a:p>
             <a:pPr>
               <a:lnSpc>
-                <a:spcPts val="4620"/>
+                <a:spcPct val="150000"/>
               </a:lnSpc>
             </a:pPr>
             <a:r>
-              <a:rPr lang="en-US" sz="3300" b="1" dirty="0">
+              <a:rPr lang="en-US" sz="3300" b="1" u="sng" dirty="0">
                 <a:solidFill>
                   <a:srgbClr val="03275A"/>
                 </a:solidFill>
@@ -4750,7 +4726,7 @@
               <a:buChar char="•"/>
             </a:pPr>
             <a:r>
-              <a:rPr lang="en-US" sz="3300" b="1" u="sng" dirty="0">
+              <a:rPr lang="en-US" sz="3300" b="1" dirty="0">
                 <a:solidFill>
                   <a:srgbClr val="03275A"/>
                 </a:solidFill>
@@ -4762,7 +4738,7 @@
               <a:t>Why: </a:t>
             </a:r>
             <a:r>
-              <a:rPr lang="en-US" sz="3300" dirty="0">
+              <a:rPr lang="en-US" sz="3200" dirty="0">
                 <a:solidFill>
                   <a:srgbClr val="03275A"/>
                 </a:solidFill>
@@ -4783,7 +4759,7 @@
               <a:buChar char="•"/>
             </a:pPr>
             <a:r>
-              <a:rPr lang="en-US" sz="3300" b="1" u="sng" dirty="0">
+              <a:rPr lang="en-US" sz="3300" b="1" dirty="0">
                 <a:solidFill>
                   <a:srgbClr val="03275A"/>
                 </a:solidFill>
@@ -4795,7 +4771,7 @@
               <a:t>Action: </a:t>
             </a:r>
             <a:r>
-              <a:rPr lang="en-US" sz="3300" dirty="0">
+              <a:rPr lang="en-US" sz="3200" dirty="0">
                 <a:solidFill>
                   <a:srgbClr val="03275A"/>
                 </a:solidFill>
@@ -4810,11 +4786,11 @@
           <a:p>
             <a:pPr>
               <a:lnSpc>
-                <a:spcPts val="4620"/>
+                <a:spcPct val="150000"/>
               </a:lnSpc>
             </a:pPr>
             <a:r>
-              <a:rPr lang="en-US" sz="3300" b="1" dirty="0">
+              <a:rPr lang="en-US" sz="3300" b="1" u="sng" dirty="0">
                 <a:solidFill>
                   <a:srgbClr val="03275A"/>
                 </a:solidFill>
@@ -4835,7 +4811,7 @@
               <a:buChar char="•"/>
             </a:pPr>
             <a:r>
-              <a:rPr lang="en-US" sz="3300" b="1" u="sng" dirty="0">
+              <a:rPr lang="en-US" sz="3300" b="1" dirty="0">
                 <a:solidFill>
                   <a:srgbClr val="03275A"/>
                 </a:solidFill>
@@ -4847,7 +4823,7 @@
               <a:t>Why: </a:t>
             </a:r>
             <a:r>
-              <a:rPr lang="en-US" sz="3300" dirty="0">
+              <a:rPr lang="en-US" sz="3200" dirty="0">
                 <a:solidFill>
                   <a:srgbClr val="03275A"/>
                 </a:solidFill>
@@ -4856,7 +4832,7 @@
                 <a:cs typeface="Amiko"/>
                 <a:sym typeface="Amiko"/>
               </a:rPr>
-              <a:t>Some patient subgroups had significantly lower BP control rates</a:t>
+              <a:t>Some patient subgroups had significantly lower BP control rates.</a:t>
             </a:r>
           </a:p>
           <a:p>
@@ -4868,7 +4844,7 @@
               <a:buChar char="•"/>
             </a:pPr>
             <a:r>
-              <a:rPr lang="en-US" sz="3300" b="1" u="sng" dirty="0">
+              <a:rPr lang="en-US" sz="3300" b="1" dirty="0">
                 <a:solidFill>
                   <a:srgbClr val="03275A"/>
                 </a:solidFill>
@@ -4880,7 +4856,7 @@
               <a:t>Action: </a:t>
             </a:r>
             <a:r>
-              <a:rPr lang="en-US" sz="3300" dirty="0">
+              <a:rPr lang="en-US" sz="3200" dirty="0">
                 <a:solidFill>
                   <a:srgbClr val="03275A"/>
                 </a:solidFill>
@@ -5033,7 +5009,7 @@
         <p:spPr>
           <a:xfrm>
             <a:off x="1600200" y="2171700"/>
-            <a:ext cx="16154400" cy="6488956"/>
+            <a:ext cx="16154400" cy="7078861"/>
           </a:xfrm>
           <a:prstGeom prst="rect">
             <a:avLst/>
@@ -5051,7 +5027,7 @@
               </a:lnSpc>
             </a:pPr>
             <a:r>
-              <a:rPr lang="en-US" sz="3300" dirty="0">
+              <a:rPr lang="en-US" sz="3300" u="sng" dirty="0">
                 <a:solidFill>
                   <a:srgbClr val="03275A"/>
                 </a:solidFill>
@@ -5063,7 +5039,7 @@
               <a:t>4. </a:t>
             </a:r>
             <a:r>
-              <a:rPr lang="en-US" sz="3300" b="1" dirty="0">
+              <a:rPr lang="en-US" sz="3300" b="1" u="sng" dirty="0">
                 <a:solidFill>
                   <a:srgbClr val="03275A"/>
                 </a:solidFill>
@@ -5084,7 +5060,7 @@
               <a:buChar char="•"/>
             </a:pPr>
             <a:r>
-              <a:rPr lang="en-US" sz="3300" b="1" u="sng" dirty="0">
+              <a:rPr lang="en-US" sz="3300" b="1" dirty="0">
                 <a:solidFill>
                   <a:srgbClr val="03275A"/>
                 </a:solidFill>
@@ -5096,7 +5072,7 @@
               <a:t>Why: </a:t>
             </a:r>
             <a:r>
-              <a:rPr lang="en-US" sz="3300" dirty="0">
+              <a:rPr lang="en-US" sz="3200" dirty="0">
                 <a:solidFill>
                   <a:srgbClr val="03275A"/>
                 </a:solidFill>
@@ -5117,7 +5093,7 @@
               <a:buChar char="•"/>
             </a:pPr>
             <a:r>
-              <a:rPr lang="en-US" sz="3300" b="1" u="sng" dirty="0">
+              <a:rPr lang="en-US" sz="3300" b="1" dirty="0">
                 <a:solidFill>
                   <a:srgbClr val="03275A"/>
                 </a:solidFill>
@@ -5129,7 +5105,7 @@
               <a:t>Action: </a:t>
             </a:r>
             <a:r>
-              <a:rPr lang="en-US" sz="3300" dirty="0">
+              <a:rPr lang="en-US" sz="3200" dirty="0">
                 <a:solidFill>
                   <a:srgbClr val="03275A"/>
                 </a:solidFill>
@@ -5140,6 +5116,22 @@
               </a:rPr>
               <a:t>Investigate workflows, staffing, and follow up processes at top performing sites and apply learnings to underperforming sites.</a:t>
             </a:r>
+          </a:p>
+          <a:p>
+            <a:pPr lvl="1">
+              <a:lnSpc>
+                <a:spcPts val="4620"/>
+              </a:lnSpc>
+            </a:pPr>
+            <a:endParaRPr lang="en-US" sz="3200" dirty="0">
+              <a:solidFill>
+                <a:srgbClr val="03275A"/>
+              </a:solidFill>
+              <a:latin typeface="Amiko"/>
+              <a:ea typeface="Amiko"/>
+              <a:cs typeface="Amiko"/>
+              <a:sym typeface="Amiko"/>
+            </a:endParaRPr>
           </a:p>
           <a:p>
             <a:pPr>
@@ -5148,7 +5140,7 @@
               </a:lnSpc>
             </a:pPr>
             <a:r>
-              <a:rPr lang="en-US" sz="3300" dirty="0">
+              <a:rPr lang="en-US" sz="3300" u="sng" dirty="0">
                 <a:solidFill>
                   <a:srgbClr val="03275A"/>
                 </a:solidFill>
@@ -5160,7 +5152,7 @@
               <a:t>5. </a:t>
             </a:r>
             <a:r>
-              <a:rPr lang="en-US" sz="3300" b="1" dirty="0">
+              <a:rPr lang="en-US" sz="3300" b="1" u="sng" dirty="0">
                 <a:solidFill>
                   <a:srgbClr val="03275A"/>
                 </a:solidFill>
@@ -5181,7 +5173,7 @@
               <a:buChar char="•"/>
             </a:pPr>
             <a:r>
-              <a:rPr lang="en-US" sz="3300" b="1" u="sng" dirty="0">
+              <a:rPr lang="en-US" sz="3300" b="1" dirty="0">
                 <a:solidFill>
                   <a:srgbClr val="03275A"/>
                 </a:solidFill>
@@ -5193,7 +5185,7 @@
               <a:t>Why: </a:t>
             </a:r>
             <a:r>
-              <a:rPr lang="en-US" sz="3300" dirty="0">
+              <a:rPr lang="en-US" sz="3200" dirty="0">
                 <a:solidFill>
                   <a:srgbClr val="03275A"/>
                 </a:solidFill>
@@ -5202,7 +5194,7 @@
                 <a:cs typeface="Amiko"/>
                 <a:sym typeface="Amiko"/>
               </a:rPr>
-              <a:t>Tracking average changes in BP offers more nuance than binary “controlled/uncontrolled” outcomes and helps highlight meaningful improvements</a:t>
+              <a:t>Tracking average changes in BP offers more nuance than binary “controlled/uncontrolled” outcomes and helps highlight meaningful improvements.</a:t>
             </a:r>
           </a:p>
           <a:p>
@@ -5214,7 +5206,7 @@
               <a:buChar char="•"/>
             </a:pPr>
             <a:r>
-              <a:rPr lang="en-US" sz="3300" b="1" u="sng" dirty="0">
+              <a:rPr lang="en-US" sz="3300" b="1" dirty="0">
                 <a:solidFill>
                   <a:srgbClr val="03275A"/>
                 </a:solidFill>
@@ -5226,7 +5218,7 @@
               <a:t>Action: </a:t>
             </a:r>
             <a:r>
-              <a:rPr lang="en-US" sz="3300" dirty="0">
+              <a:rPr lang="en-US" sz="3200" dirty="0">
                 <a:solidFill>
                   <a:srgbClr val="03275A"/>
                 </a:solidFill>
@@ -6688,7 +6680,7 @@
               <a:buChar char="•"/>
             </a:pPr>
             <a:r>
-              <a:rPr lang="en-US" sz="3300" dirty="0">
+              <a:rPr lang="en-US" sz="3300">
                 <a:solidFill>
                   <a:srgbClr val="03275A"/>
                 </a:solidFill>
@@ -6697,7 +6689,31 @@
                 <a:cs typeface="Amiko"/>
                 <a:sym typeface="Amiko"/>
               </a:rPr>
-              <a:t>Medicare/uninsured(~56%) &lt; Medicaid/commercial (~63%)</a:t>
+              <a:t>Medicaid/commercial (~63%) &gt; Medicare</a:t>
+            </a:r>
+            <a:r>
+              <a:rPr lang="en-US" sz="3300" dirty="0">
+                <a:solidFill>
+                  <a:srgbClr val="03275A"/>
+                </a:solidFill>
+                <a:latin typeface="Amiko"/>
+                <a:ea typeface="Amiko"/>
+                <a:cs typeface="Amiko"/>
+                <a:sym typeface="Amiko"/>
+              </a:rPr>
+              <a:t>/uninsured(~</a:t>
+            </a:r>
+            <a:r>
+              <a:rPr lang="en-US" sz="3300">
+                <a:solidFill>
+                  <a:srgbClr val="03275A"/>
+                </a:solidFill>
+                <a:latin typeface="Amiko"/>
+                <a:ea typeface="Amiko"/>
+                <a:cs typeface="Amiko"/>
+                <a:sym typeface="Amiko"/>
+              </a:rPr>
+              <a:t>56%) </a:t>
             </a:r>
           </a:p>
           <a:p>
@@ -6835,7 +6851,7 @@
         <p:spPr>
           <a:xfrm>
             <a:off x="2987897" y="447260"/>
-            <a:ext cx="12312205" cy="1221488"/>
+            <a:ext cx="13699903" cy="1221488"/>
           </a:xfrm>
           <a:prstGeom prst="rect">
             <a:avLst/>
@@ -6862,7 +6878,7 @@
                 <a:cs typeface="Nunito Sans Bold"/>
                 <a:sym typeface="Nunito Sans Bold"/>
               </a:rPr>
-              <a:t>BEFORE &amp; AFTER RESULTS</a:t>
+              <a:t>General Intervention Effectiveness</a:t>
             </a:r>
           </a:p>
         </p:txBody>
@@ -7127,7 +7143,7 @@
                 <a:cs typeface="Nunito Sans Bold"/>
                 <a:sym typeface="Nunito Sans Bold"/>
               </a:rPr>
-              <a:t>INTERVENTION EFFECTIVENESS</a:t>
+              <a:t>Effectiveness by Intervention Type</a:t>
             </a:r>
           </a:p>
         </p:txBody>
@@ -7223,53 +7239,6 @@
           <a:chExt cx="0" cy="0"/>
         </a:xfrm>
       </p:grpSpPr>
-      <p:sp>
-        <p:nvSpPr>
-          <p:cNvPr id="8" name="TextBox 8">
-            <a:extLst>
-              <a:ext uri="{FF2B5EF4-FFF2-40B4-BE49-F238E27FC236}">
-                <a16:creationId xmlns:a16="http://schemas.microsoft.com/office/drawing/2014/main" id="{857D851E-645C-E268-31F3-BE4A03E921A0}"/>
-              </a:ext>
-            </a:extLst>
-          </p:cNvPr>
-          <p:cNvSpPr txBox="1"/>
-          <p:nvPr/>
-        </p:nvSpPr>
-        <p:spPr>
-          <a:xfrm>
-            <a:off x="2271151" y="495300"/>
-            <a:ext cx="15849600" cy="1221488"/>
-          </a:xfrm>
-          <a:prstGeom prst="rect">
-            <a:avLst/>
-          </a:prstGeom>
-        </p:spPr>
-        <p:txBody>
-          <a:bodyPr wrap="square" lIns="0" tIns="0" rIns="0" bIns="0" rtlCol="0" anchor="t">
-            <a:spAutoFit/>
-          </a:bodyPr>
-          <a:lstStyle/>
-          <a:p>
-            <a:pPr algn="ctr">
-              <a:lnSpc>
-                <a:spcPts val="10292"/>
-              </a:lnSpc>
-            </a:pPr>
-            <a:r>
-              <a:rPr lang="en-US" sz="6000" b="1" dirty="0">
-                <a:solidFill>
-                  <a:srgbClr val="03275A"/>
-                </a:solidFill>
-                <a:latin typeface="Nunito Sans Bold"/>
-                <a:ea typeface="Nunito Sans Bold"/>
-                <a:cs typeface="Nunito Sans Bold"/>
-                <a:sym typeface="Nunito Sans Bold"/>
-              </a:rPr>
-              <a:t>INTERVENTION EFFECTIVENESS</a:t>
-            </a:r>
-          </a:p>
-        </p:txBody>
-      </p:sp>
       <p:pic>
         <p:nvPicPr>
           <p:cNvPr id="5" name="Picture 4">
@@ -7292,8 +7261,8 @@
         </p:blipFill>
         <p:spPr>
           <a:xfrm>
-            <a:off x="0" y="0"/>
-            <a:ext cx="3873062" cy="2552700"/>
+            <a:off x="0" y="-23352"/>
+            <a:ext cx="3276600" cy="2159577"/>
           </a:xfrm>
           <a:prstGeom prst="rect">
             <a:avLst/>
@@ -7322,14 +7291,61 @@
         </p:blipFill>
         <p:spPr>
           <a:xfrm>
-            <a:off x="1295400" y="1847533"/>
-            <a:ext cx="16432658" cy="7186469"/>
+            <a:off x="1447800" y="2019300"/>
+            <a:ext cx="15087600" cy="6598237"/>
           </a:xfrm>
           <a:prstGeom prst="rect">
             <a:avLst/>
           </a:prstGeom>
         </p:spPr>
       </p:pic>
+      <p:sp>
+        <p:nvSpPr>
+          <p:cNvPr id="8" name="TextBox 8">
+            <a:extLst>
+              <a:ext uri="{FF2B5EF4-FFF2-40B4-BE49-F238E27FC236}">
+                <a16:creationId xmlns:a16="http://schemas.microsoft.com/office/drawing/2014/main" id="{857D851E-645C-E268-31F3-BE4A03E921A0}"/>
+              </a:ext>
+            </a:extLst>
+          </p:cNvPr>
+          <p:cNvSpPr txBox="1"/>
+          <p:nvPr/>
+        </p:nvSpPr>
+        <p:spPr>
+          <a:xfrm>
+            <a:off x="2271151" y="495300"/>
+            <a:ext cx="15849600" cy="1175322"/>
+          </a:xfrm>
+          <a:prstGeom prst="rect">
+            <a:avLst/>
+          </a:prstGeom>
+        </p:spPr>
+        <p:txBody>
+          <a:bodyPr wrap="square" lIns="0" tIns="0" rIns="0" bIns="0" rtlCol="0" anchor="t">
+            <a:spAutoFit/>
+          </a:bodyPr>
+          <a:lstStyle/>
+          <a:p>
+            <a:pPr algn="ctr">
+              <a:lnSpc>
+                <a:spcPts val="10292"/>
+              </a:lnSpc>
+            </a:pPr>
+            <a:r>
+              <a:rPr lang="en-US" sz="4800" b="1" dirty="0">
+                <a:solidFill>
+                  <a:srgbClr val="03275A"/>
+                </a:solidFill>
+                <a:latin typeface="Nunito Sans Bold"/>
+                <a:ea typeface="Nunito Sans Bold"/>
+                <a:cs typeface="Nunito Sans Bold"/>
+                <a:sym typeface="Nunito Sans Bold"/>
+              </a:rPr>
+              <a:t>Effectiveness of Intervention by Race/Ethnicity</a:t>
+            </a:r>
+          </a:p>
+        </p:txBody>
+      </p:sp>
     </p:spTree>
     <p:extLst>
       <p:ext uri="{BB962C8B-B14F-4D97-AF65-F5344CB8AC3E}">
@@ -7366,53 +7382,6 @@
           <a:chExt cx="0" cy="0"/>
         </a:xfrm>
       </p:grpSpPr>
-      <p:sp>
-        <p:nvSpPr>
-          <p:cNvPr id="8" name="TextBox 8">
-            <a:extLst>
-              <a:ext uri="{FF2B5EF4-FFF2-40B4-BE49-F238E27FC236}">
-                <a16:creationId xmlns:a16="http://schemas.microsoft.com/office/drawing/2014/main" id="{BA7DD07D-A74D-D7B8-43DA-49FEF62EAD05}"/>
-              </a:ext>
-            </a:extLst>
-          </p:cNvPr>
-          <p:cNvSpPr txBox="1"/>
-          <p:nvPr/>
-        </p:nvSpPr>
-        <p:spPr>
-          <a:xfrm>
-            <a:off x="2271151" y="495300"/>
-            <a:ext cx="15849600" cy="1221488"/>
-          </a:xfrm>
-          <a:prstGeom prst="rect">
-            <a:avLst/>
-          </a:prstGeom>
-        </p:spPr>
-        <p:txBody>
-          <a:bodyPr wrap="square" lIns="0" tIns="0" rIns="0" bIns="0" rtlCol="0" anchor="t">
-            <a:spAutoFit/>
-          </a:bodyPr>
-          <a:lstStyle/>
-          <a:p>
-            <a:pPr algn="ctr">
-              <a:lnSpc>
-                <a:spcPts val="10292"/>
-              </a:lnSpc>
-            </a:pPr>
-            <a:r>
-              <a:rPr lang="en-US" sz="6000" b="1" dirty="0">
-                <a:solidFill>
-                  <a:srgbClr val="03275A"/>
-                </a:solidFill>
-                <a:latin typeface="Nunito Sans Bold"/>
-                <a:ea typeface="Nunito Sans Bold"/>
-                <a:cs typeface="Nunito Sans Bold"/>
-                <a:sym typeface="Nunito Sans Bold"/>
-              </a:rPr>
-              <a:t>INTERVENTION EFFECTIVENESS</a:t>
-            </a:r>
-          </a:p>
-        </p:txBody>
-      </p:sp>
       <p:pic>
         <p:nvPicPr>
           <p:cNvPr id="11" name="Picture 10">
@@ -7473,6 +7442,53 @@
           </a:prstGeom>
         </p:spPr>
       </p:pic>
+      <p:sp>
+        <p:nvSpPr>
+          <p:cNvPr id="8" name="TextBox 8">
+            <a:extLst>
+              <a:ext uri="{FF2B5EF4-FFF2-40B4-BE49-F238E27FC236}">
+                <a16:creationId xmlns:a16="http://schemas.microsoft.com/office/drawing/2014/main" id="{BA7DD07D-A74D-D7B8-43DA-49FEF62EAD05}"/>
+              </a:ext>
+            </a:extLst>
+          </p:cNvPr>
+          <p:cNvSpPr txBox="1"/>
+          <p:nvPr/>
+        </p:nvSpPr>
+        <p:spPr>
+          <a:xfrm>
+            <a:off x="2271151" y="495300"/>
+            <a:ext cx="15849600" cy="1175322"/>
+          </a:xfrm>
+          <a:prstGeom prst="rect">
+            <a:avLst/>
+          </a:prstGeom>
+        </p:spPr>
+        <p:txBody>
+          <a:bodyPr wrap="square" lIns="0" tIns="0" rIns="0" bIns="0" rtlCol="0" anchor="t">
+            <a:spAutoFit/>
+          </a:bodyPr>
+          <a:lstStyle/>
+          <a:p>
+            <a:pPr algn="ctr">
+              <a:lnSpc>
+                <a:spcPts val="10292"/>
+              </a:lnSpc>
+            </a:pPr>
+            <a:r>
+              <a:rPr lang="en-US" sz="4800" b="1" dirty="0">
+                <a:solidFill>
+                  <a:srgbClr val="03275A"/>
+                </a:solidFill>
+                <a:latin typeface="Nunito Sans Bold"/>
+                <a:ea typeface="Nunito Sans Bold"/>
+                <a:cs typeface="Nunito Sans Bold"/>
+                <a:sym typeface="Nunito Sans Bold"/>
+              </a:rPr>
+              <a:t>Effectiveness of Intervention by Age Group</a:t>
+            </a:r>
+          </a:p>
+        </p:txBody>
+      </p:sp>
     </p:spTree>
     <p:extLst>
       <p:ext uri="{BB962C8B-B14F-4D97-AF65-F5344CB8AC3E}">
@@ -7509,53 +7525,6 @@
           <a:chExt cx="0" cy="0"/>
         </a:xfrm>
       </p:grpSpPr>
-      <p:sp>
-        <p:nvSpPr>
-          <p:cNvPr id="8" name="TextBox 8">
-            <a:extLst>
-              <a:ext uri="{FF2B5EF4-FFF2-40B4-BE49-F238E27FC236}">
-                <a16:creationId xmlns:a16="http://schemas.microsoft.com/office/drawing/2014/main" id="{49F462BD-2F74-45F3-FDF9-87049A693A67}"/>
-              </a:ext>
-            </a:extLst>
-          </p:cNvPr>
-          <p:cNvSpPr txBox="1"/>
-          <p:nvPr/>
-        </p:nvSpPr>
-        <p:spPr>
-          <a:xfrm>
-            <a:off x="2271151" y="495300"/>
-            <a:ext cx="15849600" cy="1221488"/>
-          </a:xfrm>
-          <a:prstGeom prst="rect">
-            <a:avLst/>
-          </a:prstGeom>
-        </p:spPr>
-        <p:txBody>
-          <a:bodyPr wrap="square" lIns="0" tIns="0" rIns="0" bIns="0" rtlCol="0" anchor="t">
-            <a:spAutoFit/>
-          </a:bodyPr>
-          <a:lstStyle/>
-          <a:p>
-            <a:pPr algn="ctr">
-              <a:lnSpc>
-                <a:spcPts val="10292"/>
-              </a:lnSpc>
-            </a:pPr>
-            <a:r>
-              <a:rPr lang="en-US" sz="6000" b="1" dirty="0">
-                <a:solidFill>
-                  <a:srgbClr val="03275A"/>
-                </a:solidFill>
-                <a:latin typeface="Nunito Sans Bold"/>
-                <a:ea typeface="Nunito Sans Bold"/>
-                <a:cs typeface="Nunito Sans Bold"/>
-                <a:sym typeface="Nunito Sans Bold"/>
-              </a:rPr>
-              <a:t>INTERVENTION EFFECTIVENESS</a:t>
-            </a:r>
-          </a:p>
-        </p:txBody>
-      </p:sp>
       <p:pic>
         <p:nvPicPr>
           <p:cNvPr id="11" name="Picture 10">
@@ -7616,6 +7585,53 @@
           </a:prstGeom>
         </p:spPr>
       </p:pic>
+      <p:sp>
+        <p:nvSpPr>
+          <p:cNvPr id="8" name="TextBox 8">
+            <a:extLst>
+              <a:ext uri="{FF2B5EF4-FFF2-40B4-BE49-F238E27FC236}">
+                <a16:creationId xmlns:a16="http://schemas.microsoft.com/office/drawing/2014/main" id="{49F462BD-2F74-45F3-FDF9-87049A693A67}"/>
+              </a:ext>
+            </a:extLst>
+          </p:cNvPr>
+          <p:cNvSpPr txBox="1"/>
+          <p:nvPr/>
+        </p:nvSpPr>
+        <p:spPr>
+          <a:xfrm>
+            <a:off x="2271151" y="495300"/>
+            <a:ext cx="15849600" cy="1221488"/>
+          </a:xfrm>
+          <a:prstGeom prst="rect">
+            <a:avLst/>
+          </a:prstGeom>
+        </p:spPr>
+        <p:txBody>
+          <a:bodyPr wrap="square" lIns="0" tIns="0" rIns="0" bIns="0" rtlCol="0" anchor="t">
+            <a:spAutoFit/>
+          </a:bodyPr>
+          <a:lstStyle/>
+          <a:p>
+            <a:pPr algn="ctr">
+              <a:lnSpc>
+                <a:spcPts val="10292"/>
+              </a:lnSpc>
+            </a:pPr>
+            <a:r>
+              <a:rPr lang="en-US" sz="6000" b="1" dirty="0">
+                <a:solidFill>
+                  <a:srgbClr val="03275A"/>
+                </a:solidFill>
+                <a:latin typeface="Nunito Sans Bold"/>
+                <a:ea typeface="Nunito Sans Bold"/>
+                <a:cs typeface="Nunito Sans Bold"/>
+                <a:sym typeface="Nunito Sans Bold"/>
+              </a:rPr>
+              <a:t>Effectiveness of Intervention by Site</a:t>
+            </a:r>
+          </a:p>
+        </p:txBody>
+      </p:sp>
     </p:spTree>
     <p:extLst>
       <p:ext uri="{BB962C8B-B14F-4D97-AF65-F5344CB8AC3E}">
